--- a/courses/S14/cs5600/slides/Project1.pptx
+++ b/courses/S14/cs5600/slides/Project1.pptx
@@ -1756,7 +1756,7 @@
           <a:p>
             <a:fld id="{CBF12EB4-D0E8-4F8B-893A-5E3D1ED48D01}" type="datetimeFigureOut">
               <a:rPr lang="en-US" smtClean="0"/>
-              <a:t>9/11/2014</a:t>
+              <a:t>1/26/2015</a:t>
             </a:fld>
             <a:endParaRPr lang="en-US"/>
           </a:p>
@@ -2003,7 +2003,7 @@
           <a:p>
             <a:fld id="{CBF12EB4-D0E8-4F8B-893A-5E3D1ED48D01}" type="datetimeFigureOut">
               <a:rPr lang="en-US" smtClean="0"/>
-              <a:t>9/11/2014</a:t>
+              <a:t>1/26/2015</a:t>
             </a:fld>
             <a:endParaRPr lang="en-US"/>
           </a:p>
@@ -3645,7 +3645,7 @@
           <a:p>
             <a:fld id="{CBF12EB4-D0E8-4F8B-893A-5E3D1ED48D01}" type="datetimeFigureOut">
               <a:rPr lang="en-US" smtClean="0"/>
-              <a:t>9/11/2014</a:t>
+              <a:t>1/26/2015</a:t>
             </a:fld>
             <a:endParaRPr lang="en-US"/>
           </a:p>
@@ -17226,7 +17226,7 @@
                   </a:schemeClr>
                 </a:solidFill>
               </a:rPr>
-              <a:t>course/cs5600f14/bin/register-student</a:t>
+              <a:t>course/cs5600sp15/bin/register-student</a:t>
             </a:r>
             <a:r>
               <a:rPr lang="en-US" sz="2400" dirty="0">
@@ -17308,7 +17308,7 @@
                   </a:schemeClr>
                 </a:solidFill>
               </a:rPr>
-              <a:t>course/cs5600f14/bin/register </a:t>
+              <a:t>course/cs5600sp15/bin/register </a:t>
             </a:r>
             <a:r>
               <a:rPr lang="en-US" sz="2400" dirty="0">
@@ -17387,7 +17387,7 @@
                   </a:schemeClr>
                 </a:solidFill>
               </a:rPr>
-              <a:t>course/cs5600f14/bin/</a:t>
+              <a:t>course/cs5600sp15/bin/</a:t>
             </a:r>
             <a:r>
               <a:rPr lang="en-US" sz="2400" dirty="0" err="1" smtClean="0">
@@ -17548,8 +17548,37 @@
                   <a:schemeClr val="accent2"/>
                 </a:solidFill>
               </a:rPr>
-              <a:t>DUE: September 24</a:t>
-            </a:r>
+              <a:t>DUE: </a:t>
+            </a:r>
+            <a:r>
+              <a:rPr lang="en-US" sz="4400" dirty="0" smtClean="0">
+                <a:solidFill>
+                  <a:schemeClr val="accent2"/>
+                </a:solidFill>
+              </a:rPr>
+              <a:t>February 9</a:t>
+            </a:r>
+            <a:r>
+              <a:rPr lang="en-US" sz="4400" baseline="30000" dirty="0" smtClean="0">
+                <a:solidFill>
+                  <a:schemeClr val="accent2"/>
+                </a:solidFill>
+              </a:rPr>
+              <a:t>th</a:t>
+            </a:r>
+            <a:r>
+              <a:rPr lang="en-US" sz="4400" dirty="0" smtClean="0">
+                <a:solidFill>
+                  <a:schemeClr val="accent2"/>
+                </a:solidFill>
+              </a:rPr>
+              <a:t>, 2015</a:t>
+            </a:r>
+            <a:endParaRPr lang="en-US" sz="4400" dirty="0" smtClean="0">
+              <a:solidFill>
+                <a:schemeClr val="accent2"/>
+              </a:solidFill>
+            </a:endParaRPr>
           </a:p>
           <a:p>
             <a:pPr algn="ctr"/>
@@ -17668,7 +17697,7 @@
         <p:spPr/>
         <p:txBody>
           <a:bodyPr>
-            <a:normAutofit/>
+            <a:normAutofit lnSpcReduction="10000"/>
           </a:bodyPr>
           <a:lstStyle/>
           <a:p>
@@ -17685,20 +17714,24 @@
               <a:rPr lang="en-US" sz="2400" dirty="0">
                 <a:hlinkClick r:id="rId2"/>
               </a:rPr>
-              <a:t>http://</a:t>
+              <a:t>http</a:t>
             </a:r>
             <a:r>
               <a:rPr lang="en-US" sz="2400" dirty="0" smtClean="0">
                 <a:hlinkClick r:id="rId2"/>
               </a:rPr>
-              <a:t>www.ccs.neu.edu/home/cbw/5600/pintos/pintos.html</a:t>
-            </a:r>
-            <a:endParaRPr lang="en-US" sz="2400" dirty="0" smtClean="0"/>
-          </a:p>
-          <a:p>
-            <a:r>
-              <a:rPr lang="en-US" dirty="0" smtClean="0"/>
-              <a:t>You will need to copy the Pintos source to your home directory</a:t>
+              <a:t>://ccs.neu.edu/home/ntuck/courses/S14/cs5600/</a:t>
+            </a:r>
+            <a:r>
+              <a:rPr lang="en-US" sz="2400" dirty="0" smtClean="0"/>
+              <a:t/>
+            </a:r>
+            <a:br>
+              <a:rPr lang="en-US" sz="2400" dirty="0" smtClean="0"/>
+            </a:br>
+            <a:r>
+              <a:rPr lang="en-US" sz="2400" dirty="0" smtClean="0"/>
+              <a:t>(click “pintos docs”)</a:t>
             </a:r>
           </a:p>
           <a:p>
@@ -17706,6 +17739,19 @@
               <a:buNone/>
             </a:pPr>
             <a:r>
+              <a:rPr lang="en-US" dirty="0" smtClean="0"/>
+              <a:t>You </a:t>
+            </a:r>
+            <a:r>
+              <a:rPr lang="en-US" dirty="0" smtClean="0"/>
+              <a:t>will need to copy the Pintos source to your home directory</a:t>
+            </a:r>
+          </a:p>
+          <a:p>
+            <a:pPr marL="0" indent="0" algn="ctr">
+              <a:buNone/>
+            </a:pPr>
+            <a:r>
               <a:rPr lang="en-US" sz="2800" dirty="0">
                 <a:solidFill>
                   <a:schemeClr val="bg1">
@@ -17733,7 +17779,7 @@
                   </a:schemeClr>
                 </a:solidFill>
               </a:rPr>
-              <a:t> /</a:t>
+              <a:t> </a:t>
             </a:r>
             <a:r>
               <a:rPr lang="en-US" sz="2800" dirty="0" smtClean="0">
@@ -17743,7 +17789,17 @@
                   </a:schemeClr>
                 </a:solidFill>
               </a:rPr>
-              <a:t>course/cs5600f14/install/pintos.tar.gz ~</a:t>
+              <a:t>/course/cs5600sp15/install/pintos.tar.gz </a:t>
+            </a:r>
+            <a:r>
+              <a:rPr lang="en-US" sz="2800" dirty="0" smtClean="0">
+                <a:solidFill>
+                  <a:schemeClr val="bg1">
+                    <a:lumMod val="50000"/>
+                  </a:schemeClr>
+                </a:solidFill>
+              </a:rPr>
+              <a:t>~</a:t>
             </a:r>
           </a:p>
           <a:p>
@@ -17928,7 +17984,7 @@
                   </a:schemeClr>
                 </a:solidFill>
               </a:rPr>
-              <a:t>course/cs5600f14/bin</a:t>
+              <a:t>course/cs5600sp15/bin</a:t>
             </a:r>
             <a:r>
               <a:rPr lang="en-US" sz="2000" dirty="0">
@@ -17948,8 +18004,15 @@
                   </a:schemeClr>
                 </a:solidFill>
               </a:rPr>
-              <a:t>course/cs5600f14/pintos/bin</a:t>
-            </a:r>
+              <a:t>course/cs5600sp15/pintos/bin</a:t>
+            </a:r>
+            <a:endParaRPr lang="en-US" sz="2000" dirty="0" smtClean="0">
+              <a:solidFill>
+                <a:schemeClr val="bg1">
+                  <a:lumMod val="50000"/>
+                </a:schemeClr>
+              </a:solidFill>
+            </a:endParaRPr>
           </a:p>
           <a:p>
             <a:pPr marL="57150" indent="0" algn="ctr">
